--- a/2016-02/doc/welcome.pptx
+++ b/2016-02/doc/welcome.pptx
@@ -267,7 +267,7 @@
           <a:effectLst/>
           <a:extLst>
             <a:ext uri="{91240B29-F687-4f45-9708-019B960494DF}">
-              <a14:hiddenLine xmlns:a14="http://schemas.microsoft.com/office/drawing/2010/main" xmlns="" w="9360" cap="sq">
+              <a14:hiddenLine xmlns="" xmlns:a14="http://schemas.microsoft.com/office/drawing/2010/main" w="9360" cap="sq">
                 <a:solidFill>
                   <a:srgbClr val="000000"/>
                 </a:solidFill>
@@ -277,7 +277,7 @@
               </a14:hiddenLine>
             </a:ext>
             <a:ext uri="{AF507438-7753-43e0-B8FC-AC1667EBCBE1}">
-              <a14:hiddenEffects xmlns:a14="http://schemas.microsoft.com/office/drawing/2010/main" xmlns="">
+              <a14:hiddenEffects xmlns="" xmlns:a14="http://schemas.microsoft.com/office/drawing/2010/main">
                 <a:effectLst>
                   <a:outerShdw dist="35921" dir="2700000" algn="ctr" rotWithShape="0">
                     <a:srgbClr val="808080"/>
@@ -322,7 +322,7 @@
           <a:effectLst/>
           <a:extLst>
             <a:ext uri="{91240B29-F687-4f45-9708-019B960494DF}">
-              <a14:hiddenLine xmlns:a14="http://schemas.microsoft.com/office/drawing/2010/main" xmlns="" w="9525">
+              <a14:hiddenLine xmlns="" xmlns:a14="http://schemas.microsoft.com/office/drawing/2010/main" w="9525">
                 <a:solidFill>
                   <a:srgbClr val="808080"/>
                 </a:solidFill>
@@ -332,7 +332,7 @@
               </a14:hiddenLine>
             </a:ext>
             <a:ext uri="{AF507438-7753-43e0-B8FC-AC1667EBCBE1}">
-              <a14:hiddenEffects xmlns:a14="http://schemas.microsoft.com/office/drawing/2010/main" xmlns="">
+              <a14:hiddenEffects xmlns="" xmlns:a14="http://schemas.microsoft.com/office/drawing/2010/main">
                 <a:effectLst>
                   <a:outerShdw dist="35921" dir="2700000" algn="ctr" rotWithShape="0">
                     <a:srgbClr val="808080"/>
@@ -377,7 +377,7 @@
           <a:effectLst/>
           <a:extLst>
             <a:ext uri="{91240B29-F687-4f45-9708-019B960494DF}">
-              <a14:hiddenLine xmlns:a14="http://schemas.microsoft.com/office/drawing/2010/main" xmlns="" w="9525">
+              <a14:hiddenLine xmlns="" xmlns:a14="http://schemas.microsoft.com/office/drawing/2010/main" w="9525">
                 <a:solidFill>
                   <a:srgbClr val="808080"/>
                 </a:solidFill>
@@ -387,7 +387,7 @@
               </a14:hiddenLine>
             </a:ext>
             <a:ext uri="{AF507438-7753-43e0-B8FC-AC1667EBCBE1}">
-              <a14:hiddenEffects xmlns:a14="http://schemas.microsoft.com/office/drawing/2010/main" xmlns="">
+              <a14:hiddenEffects xmlns="" xmlns:a14="http://schemas.microsoft.com/office/drawing/2010/main">
                 <a:effectLst>
                   <a:outerShdw dist="35921" dir="2700000" algn="ctr" rotWithShape="0">
                     <a:srgbClr val="808080"/>
@@ -432,7 +432,7 @@
           <a:effectLst/>
           <a:extLst>
             <a:ext uri="{91240B29-F687-4f45-9708-019B960494DF}">
-              <a14:hiddenLine xmlns:a14="http://schemas.microsoft.com/office/drawing/2010/main" xmlns="" w="9525">
+              <a14:hiddenLine xmlns="" xmlns:a14="http://schemas.microsoft.com/office/drawing/2010/main" w="9525">
                 <a:solidFill>
                   <a:srgbClr val="808080"/>
                 </a:solidFill>
@@ -442,7 +442,7 @@
               </a14:hiddenLine>
             </a:ext>
             <a:ext uri="{AF507438-7753-43e0-B8FC-AC1667EBCBE1}">
-              <a14:hiddenEffects xmlns:a14="http://schemas.microsoft.com/office/drawing/2010/main" xmlns="">
+              <a14:hiddenEffects xmlns="" xmlns:a14="http://schemas.microsoft.com/office/drawing/2010/main">
                 <a:effectLst>
                   <a:outerShdw dist="35921" dir="2700000" algn="ctr" rotWithShape="0">
                     <a:srgbClr val="808080"/>
@@ -487,7 +487,7 @@
           <a:effectLst/>
           <a:extLst>
             <a:ext uri="{91240B29-F687-4f45-9708-019B960494DF}">
-              <a14:hiddenLine xmlns:a14="http://schemas.microsoft.com/office/drawing/2010/main" xmlns="" w="9525">
+              <a14:hiddenLine xmlns="" xmlns:a14="http://schemas.microsoft.com/office/drawing/2010/main" w="9525">
                 <a:solidFill>
                   <a:srgbClr val="808080"/>
                 </a:solidFill>
@@ -497,7 +497,7 @@
               </a14:hiddenLine>
             </a:ext>
             <a:ext uri="{AF507438-7753-43e0-B8FC-AC1667EBCBE1}">
-              <a14:hiddenEffects xmlns:a14="http://schemas.microsoft.com/office/drawing/2010/main" xmlns="">
+              <a14:hiddenEffects xmlns="" xmlns:a14="http://schemas.microsoft.com/office/drawing/2010/main">
                 <a:effectLst>
                   <a:outerShdw dist="35921" dir="2700000" algn="ctr" rotWithShape="0">
                     <a:srgbClr val="808080"/>
@@ -542,7 +542,7 @@
           <a:effectLst/>
           <a:extLst>
             <a:ext uri="{91240B29-F687-4f45-9708-019B960494DF}">
-              <a14:hiddenLine xmlns:a14="http://schemas.microsoft.com/office/drawing/2010/main" xmlns="" w="9525">
+              <a14:hiddenLine xmlns="" xmlns:a14="http://schemas.microsoft.com/office/drawing/2010/main" w="9525">
                 <a:solidFill>
                   <a:srgbClr val="808080"/>
                 </a:solidFill>
@@ -552,7 +552,7 @@
               </a14:hiddenLine>
             </a:ext>
             <a:ext uri="{AF507438-7753-43e0-B8FC-AC1667EBCBE1}">
-              <a14:hiddenEffects xmlns:a14="http://schemas.microsoft.com/office/drawing/2010/main" xmlns="">
+              <a14:hiddenEffects xmlns="" xmlns:a14="http://schemas.microsoft.com/office/drawing/2010/main">
                 <a:effectLst>
                   <a:outerShdw dist="35921" dir="2700000" algn="ctr" rotWithShape="0">
                     <a:srgbClr val="808080"/>
@@ -597,7 +597,7 @@
           <a:effectLst/>
           <a:extLst>
             <a:ext uri="{91240B29-F687-4f45-9708-019B960494DF}">
-              <a14:hiddenLine xmlns:a14="http://schemas.microsoft.com/office/drawing/2010/main" xmlns="" w="9525">
+              <a14:hiddenLine xmlns="" xmlns:a14="http://schemas.microsoft.com/office/drawing/2010/main" w="9525">
                 <a:solidFill>
                   <a:srgbClr val="808080"/>
                 </a:solidFill>
@@ -607,7 +607,7 @@
               </a14:hiddenLine>
             </a:ext>
             <a:ext uri="{AF507438-7753-43e0-B8FC-AC1667EBCBE1}">
-              <a14:hiddenEffects xmlns:a14="http://schemas.microsoft.com/office/drawing/2010/main" xmlns="">
+              <a14:hiddenEffects xmlns="" xmlns:a14="http://schemas.microsoft.com/office/drawing/2010/main">
                 <a:effectLst>
                   <a:outerShdw dist="35921" dir="2700000" algn="ctr" rotWithShape="0">
                     <a:srgbClr val="808080"/>
@@ -652,7 +652,7 @@
           <a:effectLst/>
           <a:extLst>
             <a:ext uri="{91240B29-F687-4f45-9708-019B960494DF}">
-              <a14:hiddenLine xmlns:a14="http://schemas.microsoft.com/office/drawing/2010/main" xmlns="" w="9525">
+              <a14:hiddenLine xmlns="" xmlns:a14="http://schemas.microsoft.com/office/drawing/2010/main" w="9525">
                 <a:solidFill>
                   <a:srgbClr val="808080"/>
                 </a:solidFill>
@@ -662,7 +662,7 @@
               </a14:hiddenLine>
             </a:ext>
             <a:ext uri="{AF507438-7753-43e0-B8FC-AC1667EBCBE1}">
-              <a14:hiddenEffects xmlns:a14="http://schemas.microsoft.com/office/drawing/2010/main" xmlns="">
+              <a14:hiddenEffects xmlns="" xmlns:a14="http://schemas.microsoft.com/office/drawing/2010/main">
                 <a:effectLst>
                   <a:outerShdw dist="35921" dir="2700000" algn="ctr" rotWithShape="0">
                     <a:srgbClr val="808080"/>
@@ -707,7 +707,7 @@
           <a:effectLst/>
           <a:extLst>
             <a:ext uri="{91240B29-F687-4f45-9708-019B960494DF}">
-              <a14:hiddenLine xmlns:a14="http://schemas.microsoft.com/office/drawing/2010/main" xmlns="" w="9525">
+              <a14:hiddenLine xmlns="" xmlns:a14="http://schemas.microsoft.com/office/drawing/2010/main" w="9525">
                 <a:solidFill>
                   <a:srgbClr val="808080"/>
                 </a:solidFill>
@@ -717,7 +717,7 @@
               </a14:hiddenLine>
             </a:ext>
             <a:ext uri="{AF507438-7753-43e0-B8FC-AC1667EBCBE1}">
-              <a14:hiddenEffects xmlns:a14="http://schemas.microsoft.com/office/drawing/2010/main" xmlns="">
+              <a14:hiddenEffects xmlns="" xmlns:a14="http://schemas.microsoft.com/office/drawing/2010/main">
                 <a:effectLst>
                   <a:outerShdw dist="35921" dir="2700000" algn="ctr" rotWithShape="0">
                     <a:srgbClr val="808080"/>
@@ -762,7 +762,7 @@
           <a:effectLst/>
           <a:extLst>
             <a:ext uri="{91240B29-F687-4f45-9708-019B960494DF}">
-              <a14:hiddenLine xmlns:a14="http://schemas.microsoft.com/office/drawing/2010/main" xmlns="" w="9525">
+              <a14:hiddenLine xmlns="" xmlns:a14="http://schemas.microsoft.com/office/drawing/2010/main" w="9525">
                 <a:solidFill>
                   <a:srgbClr val="808080"/>
                 </a:solidFill>
@@ -772,7 +772,7 @@
               </a14:hiddenLine>
             </a:ext>
             <a:ext uri="{AF507438-7753-43e0-B8FC-AC1667EBCBE1}">
-              <a14:hiddenEffects xmlns:a14="http://schemas.microsoft.com/office/drawing/2010/main" xmlns="">
+              <a14:hiddenEffects xmlns="" xmlns:a14="http://schemas.microsoft.com/office/drawing/2010/main">
                 <a:effectLst>
                   <a:outerShdw dist="35921" dir="2700000" algn="ctr" rotWithShape="0">
                     <a:srgbClr val="808080"/>
@@ -815,14 +815,14 @@
           <a:effectLst/>
           <a:extLst>
             <a:ext uri="{909E8E84-426E-40dd-AFC4-6F175D3DCCD1}">
-              <a14:hiddenFill xmlns:a14="http://schemas.microsoft.com/office/drawing/2010/main" xmlns="">
+              <a14:hiddenFill xmlns="" xmlns:a14="http://schemas.microsoft.com/office/drawing/2010/main">
                 <a:solidFill>
                   <a:srgbClr val="FFFFFF"/>
                 </a:solidFill>
               </a14:hiddenFill>
             </a:ext>
             <a:ext uri="{91240B29-F687-4f45-9708-019B960494DF}">
-              <a14:hiddenLine xmlns:a14="http://schemas.microsoft.com/office/drawing/2010/main" xmlns="" w="9525">
+              <a14:hiddenLine xmlns="" xmlns:a14="http://schemas.microsoft.com/office/drawing/2010/main" w="9525">
                 <a:solidFill>
                   <a:srgbClr val="808080"/>
                 </a:solidFill>
@@ -832,7 +832,7 @@
               </a14:hiddenLine>
             </a:ext>
             <a:ext uri="{AF507438-7753-43e0-B8FC-AC1667EBCBE1}">
-              <a14:hiddenEffects xmlns:a14="http://schemas.microsoft.com/office/drawing/2010/main" xmlns="">
+              <a14:hiddenEffects xmlns="" xmlns:a14="http://schemas.microsoft.com/office/drawing/2010/main">
                 <a:effectLst>
                   <a:outerShdw dist="35921" dir="2700000" algn="ctr" rotWithShape="0">
                     <a:schemeClr val="bg2"/>
@@ -868,14 +868,14 @@
           <a:effectLst/>
           <a:extLst>
             <a:ext uri="{909E8E84-426E-40dd-AFC4-6F175D3DCCD1}">
-              <a14:hiddenFill xmlns:a14="http://schemas.microsoft.com/office/drawing/2010/main" xmlns="">
+              <a14:hiddenFill xmlns="" xmlns:a14="http://schemas.microsoft.com/office/drawing/2010/main">
                 <a:solidFill>
                   <a:srgbClr val="FFFFFF"/>
                 </a:solidFill>
               </a14:hiddenFill>
             </a:ext>
             <a:ext uri="{91240B29-F687-4f45-9708-019B960494DF}">
-              <a14:hiddenLine xmlns:a14="http://schemas.microsoft.com/office/drawing/2010/main" xmlns="" w="9525" cap="flat">
+              <a14:hiddenLine xmlns="" xmlns:a14="http://schemas.microsoft.com/office/drawing/2010/main" w="9525" cap="flat">
                 <a:solidFill>
                   <a:srgbClr val="808080"/>
                 </a:solidFill>
@@ -885,7 +885,7 @@
               </a14:hiddenLine>
             </a:ext>
             <a:ext uri="{AF507438-7753-43e0-B8FC-AC1667EBCBE1}">
-              <a14:hiddenEffects xmlns:a14="http://schemas.microsoft.com/office/drawing/2010/main" xmlns="">
+              <a14:hiddenEffects xmlns="" xmlns:a14="http://schemas.microsoft.com/office/drawing/2010/main">
                 <a:effectLst>
                   <a:outerShdw dist="35921" dir="2700000" algn="ctr" rotWithShape="0">
                     <a:schemeClr val="bg2"/>
@@ -933,14 +933,14 @@
           <a:effectLst/>
           <a:extLst>
             <a:ext uri="{909E8E84-426E-40dd-AFC4-6F175D3DCCD1}">
-              <a14:hiddenFill xmlns:a14="http://schemas.microsoft.com/office/drawing/2010/main" xmlns="">
+              <a14:hiddenFill xmlns="" xmlns:a14="http://schemas.microsoft.com/office/drawing/2010/main">
                 <a:solidFill>
                   <a:srgbClr val="FFFFFF"/>
                 </a:solidFill>
               </a14:hiddenFill>
             </a:ext>
             <a:ext uri="{91240B29-F687-4f45-9708-019B960494DF}">
-              <a14:hiddenLine xmlns:a14="http://schemas.microsoft.com/office/drawing/2010/main" xmlns="" w="9525" cap="flat">
+              <a14:hiddenLine xmlns="" xmlns:a14="http://schemas.microsoft.com/office/drawing/2010/main" w="9525" cap="flat">
                 <a:solidFill>
                   <a:srgbClr val="808080"/>
                 </a:solidFill>
@@ -950,7 +950,7 @@
               </a14:hiddenLine>
             </a:ext>
             <a:ext uri="{AF507438-7753-43e0-B8FC-AC1667EBCBE1}">
-              <a14:hiddenEffects xmlns:a14="http://schemas.microsoft.com/office/drawing/2010/main" xmlns="">
+              <a14:hiddenEffects xmlns="" xmlns:a14="http://schemas.microsoft.com/office/drawing/2010/main">
                 <a:effectLst>
                   <a:outerShdw dist="35921" dir="2700000" algn="ctr" rotWithShape="0">
                     <a:schemeClr val="bg2"/>
@@ -1038,14 +1038,14 @@
           <a:effectLst/>
           <a:extLst>
             <a:ext uri="{909E8E84-426E-40dd-AFC4-6F175D3DCCD1}">
-              <a14:hiddenFill xmlns:a14="http://schemas.microsoft.com/office/drawing/2010/main" xmlns="">
+              <a14:hiddenFill xmlns="" xmlns:a14="http://schemas.microsoft.com/office/drawing/2010/main">
                 <a:solidFill>
                   <a:srgbClr val="FFFFFF"/>
                 </a:solidFill>
               </a14:hiddenFill>
             </a:ext>
             <a:ext uri="{91240B29-F687-4f45-9708-019B960494DF}">
-              <a14:hiddenLine xmlns:a14="http://schemas.microsoft.com/office/drawing/2010/main" xmlns="" w="9525" cap="flat">
+              <a14:hiddenLine xmlns="" xmlns:a14="http://schemas.microsoft.com/office/drawing/2010/main" w="9525" cap="flat">
                 <a:solidFill>
                   <a:srgbClr val="808080"/>
                 </a:solidFill>
@@ -1055,7 +1055,7 @@
               </a14:hiddenLine>
             </a:ext>
             <a:ext uri="{AF507438-7753-43e0-B8FC-AC1667EBCBE1}">
-              <a14:hiddenEffects xmlns:a14="http://schemas.microsoft.com/office/drawing/2010/main" xmlns="">
+              <a14:hiddenEffects xmlns="" xmlns:a14="http://schemas.microsoft.com/office/drawing/2010/main">
                 <a:effectLst>
                   <a:outerShdw dist="35921" dir="2700000" algn="ctr" rotWithShape="0">
                     <a:schemeClr val="bg2"/>
@@ -1143,14 +1143,14 @@
           <a:effectLst/>
           <a:extLst>
             <a:ext uri="{909E8E84-426E-40dd-AFC4-6F175D3DCCD1}">
-              <a14:hiddenFill xmlns:a14="http://schemas.microsoft.com/office/drawing/2010/main" xmlns="">
+              <a14:hiddenFill xmlns="" xmlns:a14="http://schemas.microsoft.com/office/drawing/2010/main">
                 <a:solidFill>
                   <a:srgbClr val="FFFFFF"/>
                 </a:solidFill>
               </a14:hiddenFill>
             </a:ext>
             <a:ext uri="{91240B29-F687-4f45-9708-019B960494DF}">
-              <a14:hiddenLine xmlns:a14="http://schemas.microsoft.com/office/drawing/2010/main" xmlns="" w="9525" cap="flat">
+              <a14:hiddenLine xmlns="" xmlns:a14="http://schemas.microsoft.com/office/drawing/2010/main" w="9525" cap="flat">
                 <a:solidFill>
                   <a:srgbClr val="808080"/>
                 </a:solidFill>
@@ -1160,7 +1160,7 @@
               </a14:hiddenLine>
             </a:ext>
             <a:ext uri="{AF507438-7753-43e0-B8FC-AC1667EBCBE1}">
-              <a14:hiddenEffects xmlns:a14="http://schemas.microsoft.com/office/drawing/2010/main" xmlns="">
+              <a14:hiddenEffects xmlns="" xmlns:a14="http://schemas.microsoft.com/office/drawing/2010/main">
                 <a:effectLst>
                   <a:outerShdw dist="35921" dir="2700000" algn="ctr" rotWithShape="0">
                     <a:schemeClr val="bg2"/>
@@ -1248,14 +1248,14 @@
           <a:effectLst/>
           <a:extLst>
             <a:ext uri="{909E8E84-426E-40dd-AFC4-6F175D3DCCD1}">
-              <a14:hiddenFill xmlns:a14="http://schemas.microsoft.com/office/drawing/2010/main" xmlns="">
+              <a14:hiddenFill xmlns="" xmlns:a14="http://schemas.microsoft.com/office/drawing/2010/main">
                 <a:solidFill>
                   <a:srgbClr val="FFFFFF"/>
                 </a:solidFill>
               </a14:hiddenFill>
             </a:ext>
             <a:ext uri="{91240B29-F687-4f45-9708-019B960494DF}">
-              <a14:hiddenLine xmlns:a14="http://schemas.microsoft.com/office/drawing/2010/main" xmlns="" w="9525" cap="flat">
+              <a14:hiddenLine xmlns="" xmlns:a14="http://schemas.microsoft.com/office/drawing/2010/main" w="9525" cap="flat">
                 <a:solidFill>
                   <a:srgbClr val="808080"/>
                 </a:solidFill>
@@ -1265,7 +1265,7 @@
               </a14:hiddenLine>
             </a:ext>
             <a:ext uri="{AF507438-7753-43e0-B8FC-AC1667EBCBE1}">
-              <a14:hiddenEffects xmlns:a14="http://schemas.microsoft.com/office/drawing/2010/main" xmlns="">
+              <a14:hiddenEffects xmlns="" xmlns:a14="http://schemas.microsoft.com/office/drawing/2010/main">
                 <a:effectLst>
                   <a:outerShdw dist="35921" dir="2700000" algn="ctr" rotWithShape="0">
                     <a:schemeClr val="bg2"/>
@@ -1532,7 +1532,7 @@
           <a:noFill/>
           <a:extLst>
             <a:ext uri="{91240B29-F687-4f45-9708-019B960494DF}">
-              <a14:hiddenLine xmlns:a14="http://schemas.microsoft.com/office/drawing/2010/main" xmlns="" w="9525">
+              <a14:hiddenLine xmlns="" xmlns:a14="http://schemas.microsoft.com/office/drawing/2010/main" w="9525">
                 <a:solidFill>
                   <a:srgbClr val="808080"/>
                 </a:solidFill>
@@ -1940,7 +1940,7 @@
           </a:ln>
           <a:extLst>
             <a:ext uri="{AF507438-7753-43e0-B8FC-AC1667EBCBE1}">
-              <a14:hiddenEffects xmlns:a14="http://schemas.microsoft.com/office/drawing/2010/main" xmlns="">
+              <a14:hiddenEffects xmlns="" xmlns:a14="http://schemas.microsoft.com/office/drawing/2010/main">
                 <a:effectLst>
                   <a:outerShdw dist="35921" dir="2700000" algn="ctr" rotWithShape="0">
                     <a:srgbClr val="808080"/>
@@ -1969,7 +1969,7 @@
           <a:noFill/>
           <a:extLst>
             <a:ext uri="{91240B29-F687-4f45-9708-019B960494DF}">
-              <a14:hiddenLine xmlns:a14="http://schemas.microsoft.com/office/drawing/2010/main" xmlns="" w="9525">
+              <a14:hiddenLine xmlns="" xmlns:a14="http://schemas.microsoft.com/office/drawing/2010/main" w="9525">
                 <a:solidFill>
                   <a:srgbClr val="808080"/>
                 </a:solidFill>
@@ -1979,7 +1979,7 @@
               </a14:hiddenLine>
             </a:ext>
             <a:ext uri="{AF507438-7753-43e0-B8FC-AC1667EBCBE1}">
-              <a14:hiddenEffects xmlns:a14="http://schemas.microsoft.com/office/drawing/2010/main" xmlns="">
+              <a14:hiddenEffects xmlns="" xmlns:a14="http://schemas.microsoft.com/office/drawing/2010/main">
                 <a:effectLst>
                   <a:outerShdw dist="35921" dir="2700000" algn="ctr" rotWithShape="0">
                     <a:srgbClr val="808080"/>
@@ -2431,7 +2431,7 @@
           <a:noFill/>
           <a:extLst>
             <a:ext uri="{91240B29-F687-4f45-9708-019B960494DF}">
-              <a14:hiddenLine xmlns:a14="http://schemas.microsoft.com/office/drawing/2010/main" xmlns="" w="9525">
+              <a14:hiddenLine xmlns="" xmlns:a14="http://schemas.microsoft.com/office/drawing/2010/main" w="9525">
                 <a:solidFill>
                   <a:srgbClr val="808080"/>
                 </a:solidFill>
@@ -2839,7 +2839,7 @@
           </a:ln>
           <a:extLst>
             <a:ext uri="{AF507438-7753-43e0-B8FC-AC1667EBCBE1}">
-              <a14:hiddenEffects xmlns:a14="http://schemas.microsoft.com/office/drawing/2010/main" xmlns="">
+              <a14:hiddenEffects xmlns="" xmlns:a14="http://schemas.microsoft.com/office/drawing/2010/main">
                 <a:effectLst>
                   <a:outerShdw dist="35921" dir="2700000" algn="ctr" rotWithShape="0">
                     <a:srgbClr val="808080"/>
@@ -2868,7 +2868,7 @@
           <a:noFill/>
           <a:extLst>
             <a:ext uri="{91240B29-F687-4f45-9708-019B960494DF}">
-              <a14:hiddenLine xmlns:a14="http://schemas.microsoft.com/office/drawing/2010/main" xmlns="" w="9525">
+              <a14:hiddenLine xmlns="" xmlns:a14="http://schemas.microsoft.com/office/drawing/2010/main" w="9525">
                 <a:solidFill>
                   <a:srgbClr val="808080"/>
                 </a:solidFill>
@@ -2878,7 +2878,7 @@
               </a14:hiddenLine>
             </a:ext>
             <a:ext uri="{AF507438-7753-43e0-B8FC-AC1667EBCBE1}">
-              <a14:hiddenEffects xmlns:a14="http://schemas.microsoft.com/office/drawing/2010/main" xmlns="">
+              <a14:hiddenEffects xmlns="" xmlns:a14="http://schemas.microsoft.com/office/drawing/2010/main">
                 <a:effectLst>
                   <a:outerShdw dist="35921" dir="2700000" algn="ctr" rotWithShape="0">
                     <a:srgbClr val="808080"/>
@@ -3888,7 +3888,7 @@
           <a:effectLst/>
           <a:extLst>
             <a:ext uri="{AF507438-7753-43e0-B8FC-AC1667EBCBE1}">
-              <a14:hiddenEffects xmlns:a14="http://schemas.microsoft.com/office/drawing/2010/main" xmlns="">
+              <a14:hiddenEffects xmlns="" xmlns:a14="http://schemas.microsoft.com/office/drawing/2010/main">
                 <a:effectLst>
                   <a:outerShdw dist="35921" dir="2700000" algn="ctr" rotWithShape="0">
                     <a:schemeClr val="bg2"/>
@@ -3928,7 +3928,7 @@
           <a:effectLst/>
           <a:extLst>
             <a:ext uri="{AF507438-7753-43e0-B8FC-AC1667EBCBE1}">
-              <a14:hiddenEffects xmlns:a14="http://schemas.microsoft.com/office/drawing/2010/main" xmlns="">
+              <a14:hiddenEffects xmlns="" xmlns:a14="http://schemas.microsoft.com/office/drawing/2010/main">
                 <a:effectLst>
                   <a:outerShdw dist="35921" dir="2700000" algn="ctr" rotWithShape="0">
                     <a:schemeClr val="bg2"/>
@@ -3975,7 +3975,7 @@
           <a:effectLst/>
           <a:extLst>
             <a:ext uri="{909E8E84-426E-40dd-AFC4-6F175D3DCCD1}">
-              <a14:hiddenFill xmlns:a14="http://schemas.microsoft.com/office/drawing/2010/main" xmlns="">
+              <a14:hiddenFill xmlns="" xmlns:a14="http://schemas.microsoft.com/office/drawing/2010/main">
                 <a:blipFill dpi="0" rotWithShape="0">
                   <a:blip/>
                   <a:srcRect/>
@@ -3986,7 +3986,7 @@
               </a14:hiddenFill>
             </a:ext>
             <a:ext uri="{91240B29-F687-4f45-9708-019B960494DF}">
-              <a14:hiddenLine xmlns:a14="http://schemas.microsoft.com/office/drawing/2010/main" xmlns="" w="9525">
+              <a14:hiddenLine xmlns="" xmlns:a14="http://schemas.microsoft.com/office/drawing/2010/main" w="9525">
                 <a:solidFill>
                   <a:srgbClr val="808080"/>
                 </a:solidFill>
@@ -3996,7 +3996,7 @@
               </a14:hiddenLine>
             </a:ext>
             <a:ext uri="{AF507438-7753-43e0-B8FC-AC1667EBCBE1}">
-              <a14:hiddenEffects xmlns:a14="http://schemas.microsoft.com/office/drawing/2010/main" xmlns="">
+              <a14:hiddenEffects xmlns="" xmlns:a14="http://schemas.microsoft.com/office/drawing/2010/main">
                 <a:effectLst>
                   <a:outerShdw dist="35921" dir="2700000" algn="ctr" rotWithShape="0">
                     <a:srgbClr val="808080"/>
@@ -6045,14 +6045,14 @@
           <a:effectLst/>
           <a:extLst>
             <a:ext uri="{909E8E84-426E-40dd-AFC4-6F175D3DCCD1}">
-              <a14:hiddenFill xmlns:a14="http://schemas.microsoft.com/office/drawing/2010/main" xmlns="">
+              <a14:hiddenFill xmlns="" xmlns:a14="http://schemas.microsoft.com/office/drawing/2010/main">
                 <a:solidFill>
                   <a:srgbClr val="FFFFFF"/>
                 </a:solidFill>
               </a14:hiddenFill>
             </a:ext>
             <a:ext uri="{91240B29-F687-4f45-9708-019B960494DF}">
-              <a14:hiddenLine xmlns:a14="http://schemas.microsoft.com/office/drawing/2010/main" xmlns="" w="9525">
+              <a14:hiddenLine xmlns="" xmlns:a14="http://schemas.microsoft.com/office/drawing/2010/main" w="9525">
                 <a:solidFill>
                   <a:srgbClr val="808080"/>
                 </a:solidFill>
@@ -6062,7 +6062,7 @@
               </a14:hiddenLine>
             </a:ext>
             <a:ext uri="{AF507438-7753-43e0-B8FC-AC1667EBCBE1}">
-              <a14:hiddenEffects xmlns:a14="http://schemas.microsoft.com/office/drawing/2010/main" xmlns="">
+              <a14:hiddenEffects xmlns="" xmlns:a14="http://schemas.microsoft.com/office/drawing/2010/main">
                 <a:effectLst>
                   <a:outerShdw dist="35921" dir="2700000" algn="ctr" rotWithShape="0">
                     <a:schemeClr val="bg2"/>
@@ -6113,14 +6113,14 @@
           <a:effectLst/>
           <a:extLst>
             <a:ext uri="{909E8E84-426E-40dd-AFC4-6F175D3DCCD1}">
-              <a14:hiddenFill xmlns:a14="http://schemas.microsoft.com/office/drawing/2010/main" xmlns="">
+              <a14:hiddenFill xmlns="" xmlns:a14="http://schemas.microsoft.com/office/drawing/2010/main">
                 <a:solidFill>
                   <a:srgbClr val="FFFFFF"/>
                 </a:solidFill>
               </a14:hiddenFill>
             </a:ext>
             <a:ext uri="{91240B29-F687-4f45-9708-019B960494DF}">
-              <a14:hiddenLine xmlns:a14="http://schemas.microsoft.com/office/drawing/2010/main" xmlns="" w="9525">
+              <a14:hiddenLine xmlns="" xmlns:a14="http://schemas.microsoft.com/office/drawing/2010/main" w="9525">
                 <a:solidFill>
                   <a:srgbClr val="808080"/>
                 </a:solidFill>
@@ -6130,7 +6130,7 @@
               </a14:hiddenLine>
             </a:ext>
             <a:ext uri="{AF507438-7753-43e0-B8FC-AC1667EBCBE1}">
-              <a14:hiddenEffects xmlns:a14="http://schemas.microsoft.com/office/drawing/2010/main" xmlns="">
+              <a14:hiddenEffects xmlns="" xmlns:a14="http://schemas.microsoft.com/office/drawing/2010/main">
                 <a:effectLst>
                   <a:outerShdw dist="35921" dir="2700000" algn="ctr" rotWithShape="0">
                     <a:schemeClr val="bg2"/>
@@ -6237,14 +6237,14 @@
           <a:effectLst/>
           <a:extLst>
             <a:ext uri="{909E8E84-426E-40dd-AFC4-6F175D3DCCD1}">
-              <a14:hiddenFill xmlns:a14="http://schemas.microsoft.com/office/drawing/2010/main" xmlns="">
+              <a14:hiddenFill xmlns="" xmlns:a14="http://schemas.microsoft.com/office/drawing/2010/main">
                 <a:solidFill>
                   <a:srgbClr val="FFFFFF"/>
                 </a:solidFill>
               </a14:hiddenFill>
             </a:ext>
             <a:ext uri="{91240B29-F687-4f45-9708-019B960494DF}">
-              <a14:hiddenLine xmlns:a14="http://schemas.microsoft.com/office/drawing/2010/main" xmlns="" w="9525" cap="flat">
+              <a14:hiddenLine xmlns="" xmlns:a14="http://schemas.microsoft.com/office/drawing/2010/main" w="9525" cap="flat">
                 <a:solidFill>
                   <a:srgbClr val="808080"/>
                 </a:solidFill>
@@ -6254,7 +6254,7 @@
               </a14:hiddenLine>
             </a:ext>
             <a:ext uri="{AF507438-7753-43e0-B8FC-AC1667EBCBE1}">
-              <a14:hiddenEffects xmlns:a14="http://schemas.microsoft.com/office/drawing/2010/main" xmlns="">
+              <a14:hiddenEffects xmlns="" xmlns:a14="http://schemas.microsoft.com/office/drawing/2010/main">
                 <a:effectLst>
                   <a:outerShdw dist="35921" dir="2700000" algn="ctr" rotWithShape="0">
                     <a:schemeClr val="bg2"/>
@@ -6338,14 +6338,14 @@
           <a:effectLst/>
           <a:extLst>
             <a:ext uri="{909E8E84-426E-40dd-AFC4-6F175D3DCCD1}">
-              <a14:hiddenFill xmlns:a14="http://schemas.microsoft.com/office/drawing/2010/main" xmlns="">
+              <a14:hiddenFill xmlns="" xmlns:a14="http://schemas.microsoft.com/office/drawing/2010/main">
                 <a:solidFill>
                   <a:srgbClr val="FFFFFF"/>
                 </a:solidFill>
               </a14:hiddenFill>
             </a:ext>
             <a:ext uri="{91240B29-F687-4f45-9708-019B960494DF}">
-              <a14:hiddenLine xmlns:a14="http://schemas.microsoft.com/office/drawing/2010/main" xmlns="" w="9525" cap="flat">
+              <a14:hiddenLine xmlns="" xmlns:a14="http://schemas.microsoft.com/office/drawing/2010/main" w="9525" cap="flat">
                 <a:solidFill>
                   <a:srgbClr val="808080"/>
                 </a:solidFill>
@@ -6355,7 +6355,7 @@
               </a14:hiddenLine>
             </a:ext>
             <a:ext uri="{AF507438-7753-43e0-B8FC-AC1667EBCBE1}">
-              <a14:hiddenEffects xmlns:a14="http://schemas.microsoft.com/office/drawing/2010/main" xmlns="">
+              <a14:hiddenEffects xmlns="" xmlns:a14="http://schemas.microsoft.com/office/drawing/2010/main">
                 <a:effectLst>
                   <a:outerShdw dist="35921" dir="2700000" algn="ctr" rotWithShape="0">
                     <a:schemeClr val="bg2"/>
@@ -6439,14 +6439,14 @@
           <a:effectLst/>
           <a:extLst>
             <a:ext uri="{909E8E84-426E-40dd-AFC4-6F175D3DCCD1}">
-              <a14:hiddenFill xmlns:a14="http://schemas.microsoft.com/office/drawing/2010/main" xmlns="">
+              <a14:hiddenFill xmlns="" xmlns:a14="http://schemas.microsoft.com/office/drawing/2010/main">
                 <a:solidFill>
                   <a:srgbClr val="FFFFFF"/>
                 </a:solidFill>
               </a14:hiddenFill>
             </a:ext>
             <a:ext uri="{91240B29-F687-4f45-9708-019B960494DF}">
-              <a14:hiddenLine xmlns:a14="http://schemas.microsoft.com/office/drawing/2010/main" xmlns="" w="9525" cap="flat">
+              <a14:hiddenLine xmlns="" xmlns:a14="http://schemas.microsoft.com/office/drawing/2010/main" w="9525" cap="flat">
                 <a:solidFill>
                   <a:srgbClr val="808080"/>
                 </a:solidFill>
@@ -6456,7 +6456,7 @@
               </a14:hiddenLine>
             </a:ext>
             <a:ext uri="{AF507438-7753-43e0-B8FC-AC1667EBCBE1}">
-              <a14:hiddenEffects xmlns:a14="http://schemas.microsoft.com/office/drawing/2010/main" xmlns="">
+              <a14:hiddenEffects xmlns="" xmlns:a14="http://schemas.microsoft.com/office/drawing/2010/main">
                 <a:effectLst>
                   <a:outerShdw dist="35921" dir="2700000" algn="ctr" rotWithShape="0">
                     <a:schemeClr val="bg2"/>
@@ -7122,7 +7122,7 @@
           <a:effectLst/>
           <a:extLst>
             <a:ext uri="{909E8E84-426E-40dd-AFC4-6F175D3DCCD1}">
-              <a14:hiddenFill xmlns:a14="http://schemas.microsoft.com/office/drawing/2010/main" xmlns="">
+              <a14:hiddenFill xmlns="" xmlns:a14="http://schemas.microsoft.com/office/drawing/2010/main">
                 <a:blipFill dpi="0" rotWithShape="0">
                   <a:blip/>
                   <a:srcRect/>
@@ -7133,7 +7133,7 @@
               </a14:hiddenFill>
             </a:ext>
             <a:ext uri="{91240B29-F687-4f45-9708-019B960494DF}">
-              <a14:hiddenLine xmlns:a14="http://schemas.microsoft.com/office/drawing/2010/main" xmlns="" w="9525">
+              <a14:hiddenLine xmlns="" xmlns:a14="http://schemas.microsoft.com/office/drawing/2010/main" w="9525">
                 <a:solidFill>
                   <a:srgbClr val="808080"/>
                 </a:solidFill>
@@ -7143,7 +7143,7 @@
               </a14:hiddenLine>
             </a:ext>
             <a:ext uri="{AF507438-7753-43e0-B8FC-AC1667EBCBE1}">
-              <a14:hiddenEffects xmlns:a14="http://schemas.microsoft.com/office/drawing/2010/main" xmlns="">
+              <a14:hiddenEffects xmlns="" xmlns:a14="http://schemas.microsoft.com/office/drawing/2010/main">
                 <a:effectLst>
                   <a:outerShdw dist="35921" dir="2700000" algn="ctr" rotWithShape="0">
                     <a:srgbClr val="808080"/>
@@ -7177,14 +7177,14 @@
           <a:effectLst/>
           <a:extLst>
             <a:ext uri="{909E8E84-426E-40dd-AFC4-6F175D3DCCD1}">
-              <a14:hiddenFill xmlns:a14="http://schemas.microsoft.com/office/drawing/2010/main" xmlns="">
+              <a14:hiddenFill xmlns="" xmlns:a14="http://schemas.microsoft.com/office/drawing/2010/main">
                 <a:solidFill>
                   <a:srgbClr val="FFFFFF"/>
                 </a:solidFill>
               </a14:hiddenFill>
             </a:ext>
             <a:ext uri="{91240B29-F687-4f45-9708-019B960494DF}">
-              <a14:hiddenLine xmlns:a14="http://schemas.microsoft.com/office/drawing/2010/main" xmlns="" w="9525">
+              <a14:hiddenLine xmlns="" xmlns:a14="http://schemas.microsoft.com/office/drawing/2010/main" w="9525">
                 <a:solidFill>
                   <a:srgbClr val="808080"/>
                 </a:solidFill>
@@ -7194,7 +7194,7 @@
               </a14:hiddenLine>
             </a:ext>
             <a:ext uri="{AF507438-7753-43e0-B8FC-AC1667EBCBE1}">
-              <a14:hiddenEffects xmlns:a14="http://schemas.microsoft.com/office/drawing/2010/main" xmlns="">
+              <a14:hiddenEffects xmlns="" xmlns:a14="http://schemas.microsoft.com/office/drawing/2010/main">
                 <a:effectLst>
                   <a:outerShdw dist="35921" dir="2700000" algn="ctr" rotWithShape="0">
                     <a:srgbClr val="808080"/>
@@ -7678,13 +7678,6 @@
               </a:rPr>
               <a:t>kos.birtha@attrecto.com</a:t>
             </a:r>
-            <a:endParaRPr lang="hu-HU" altLang="en-US" sz="2400" b="1" dirty="0" smtClean="0">
-              <a:solidFill>
-                <a:srgbClr val="92D050"/>
-              </a:solidFill>
-              <a:latin typeface="Trebuchet MS" panose="020B0603020202020204" pitchFamily="34" charset="0"/>
-              <a:cs typeface="Segoe UI Semilight" panose="020B0402040204020203" pitchFamily="34" charset="0"/>
-            </a:endParaRPr>
           </a:p>
           <a:p>
             <a:pPr algn="r" eaLnBrk="1">
@@ -7735,14 +7728,14 @@
           </a:ln>
           <a:extLst>
             <a:ext uri="{909E8E84-426E-40dd-AFC4-6F175D3DCCD1}">
-              <a14:hiddenFill xmlns:a14="http://schemas.microsoft.com/office/drawing/2010/main" xmlns="">
+              <a14:hiddenFill xmlns="" xmlns:a14="http://schemas.microsoft.com/office/drawing/2010/main">
                 <a:solidFill>
                   <a:schemeClr val="accent1"/>
                 </a:solidFill>
               </a14:hiddenFill>
             </a:ext>
             <a:ext uri="{91240B29-F687-4f45-9708-019B960494DF}">
-              <a14:hiddenLine xmlns:a14="http://schemas.microsoft.com/office/drawing/2010/main" xmlns="" w="9525">
+              <a14:hiddenLine xmlns="" xmlns:a14="http://schemas.microsoft.com/office/drawing/2010/main" w="9525">
                 <a:solidFill>
                   <a:schemeClr val="tx1"/>
                 </a:solidFill>
@@ -7827,13 +7820,6 @@
               </a:rPr>
               <a:t> sorozat</a:t>
             </a:r>
-            <a:endParaRPr lang="hu-HU" sz="8000" cap="small" dirty="0" smtClean="0">
-              <a:solidFill>
-                <a:srgbClr val="858889"/>
-              </a:solidFill>
-              <a:latin typeface="Trebuchet MS" panose="020B0603020202020204" pitchFamily="34" charset="0"/>
-              <a:cs typeface="Segoe UI Semibold" panose="020B0702040204020203" pitchFamily="34" charset="0"/>
-            </a:endParaRPr>
           </a:p>
         </p:txBody>
       </p:sp>
@@ -7901,7 +7887,7 @@
         <p:spPr bwMode="auto">
           <a:xfrm>
             <a:off x="1231900" y="2831034"/>
-            <a:ext cx="19154127" cy="6061916"/>
+            <a:ext cx="19154127" cy="6186309"/>
           </a:xfrm>
           <a:prstGeom prst="rect">
             <a:avLst/>
@@ -7912,14 +7898,14 @@
           </a:ln>
           <a:extLst>
             <a:ext uri="{909E8E84-426E-40dd-AFC4-6F175D3DCCD1}">
-              <a14:hiddenFill xmlns:a14="http://schemas.microsoft.com/office/drawing/2010/main" xmlns="">
+              <a14:hiddenFill xmlns="" xmlns:a14="http://schemas.microsoft.com/office/drawing/2010/main">
                 <a:solidFill>
                   <a:srgbClr val="FFFFFF"/>
                 </a:solidFill>
               </a14:hiddenFill>
             </a:ext>
             <a:ext uri="{91240B29-F687-4f45-9708-019B960494DF}">
-              <a14:hiddenLine xmlns:a14="http://schemas.microsoft.com/office/drawing/2010/main" xmlns="" w="9525">
+              <a14:hiddenLine xmlns="" xmlns:a14="http://schemas.microsoft.com/office/drawing/2010/main" w="9525">
                 <a:solidFill>
                   <a:srgbClr val="000000"/>
                 </a:solidFill>
@@ -8066,15 +8052,14 @@
             </a:lvl9pPr>
           </a:lstStyle>
           <a:p>
-            <a:pPr marL="1200150" lvl="1" indent="-457200" hangingPunct="1">
+            <a:pPr lvl="1" indent="0" hangingPunct="1">
               <a:lnSpc>
                 <a:spcPct val="150000"/>
               </a:lnSpc>
               <a:spcBef>
                 <a:spcPct val="0"/>
               </a:spcBef>
-              <a:buFont typeface="Arial" panose="020B0604020202020204" pitchFamily="34" charset="0"/>
-              <a:buChar char="•"/>
+              <a:buNone/>
               <a:defRPr/>
             </a:pPr>
             <a:r>
@@ -8136,14 +8121,7 @@
                 <a:latin typeface="Trebuchet MS" panose="020B0603020202020204" pitchFamily="34" charset="0"/>
                 <a:cs typeface="Segoe UI" panose="020B0502040204020203" pitchFamily="34" charset="0"/>
               </a:rPr>
-              <a:t>n</a:t>
-            </a:r>
-            <a:r>
-              <a:rPr lang="hu-HU" sz="4400" dirty="0" err="1" smtClean="0">
-                <a:latin typeface="Trebuchet MS" panose="020B0603020202020204" pitchFamily="34" charset="0"/>
-                <a:cs typeface="Segoe UI" panose="020B0502040204020203" pitchFamily="34" charset="0"/>
-              </a:rPr>
-              <a:t>etworking</a:t>
+              <a:t>networking</a:t>
             </a:r>
             <a:r>
               <a:rPr lang="hu-HU" sz="4400" dirty="0">
@@ -8159,10 +8137,6 @@
               </a:rPr>
               <a:t>kötetlen hangulatban</a:t>
             </a:r>
-            <a:endParaRPr lang="hu-HU" sz="4400" dirty="0" smtClean="0">
-              <a:latin typeface="Trebuchet MS" panose="020B0603020202020204" pitchFamily="34" charset="0"/>
-              <a:cs typeface="Segoe UI" panose="020B0502040204020203" pitchFamily="34" charset="0"/>
-            </a:endParaRPr>
           </a:p>
           <a:p>
             <a:pPr marL="1200150" lvl="1" indent="-457200" hangingPunct="1">
@@ -8222,14 +8196,14 @@
           </a:ln>
           <a:extLst>
             <a:ext uri="{909E8E84-426E-40dd-AFC4-6F175D3DCCD1}">
-              <a14:hiddenFill xmlns:a14="http://schemas.microsoft.com/office/drawing/2010/main" xmlns="">
+              <a14:hiddenFill xmlns="" xmlns:a14="http://schemas.microsoft.com/office/drawing/2010/main">
                 <a:solidFill>
                   <a:srgbClr val="FFFFFF"/>
                 </a:solidFill>
               </a14:hiddenFill>
             </a:ext>
             <a:ext uri="{91240B29-F687-4f45-9708-019B960494DF}">
-              <a14:hiddenLine xmlns:a14="http://schemas.microsoft.com/office/drawing/2010/main" xmlns="" w="9525">
+              <a14:hiddenLine xmlns="" xmlns:a14="http://schemas.microsoft.com/office/drawing/2010/main" w="9525">
                 <a:solidFill>
                   <a:srgbClr val="000000"/>
                 </a:solidFill>
@@ -8329,14 +8303,14 @@
           </a:ln>
           <a:extLst>
             <a:ext uri="{909E8E84-426E-40dd-AFC4-6F175D3DCCD1}">
-              <a14:hiddenFill xmlns:a14="http://schemas.microsoft.com/office/drawing/2010/main" xmlns="">
+              <a14:hiddenFill xmlns="" xmlns:a14="http://schemas.microsoft.com/office/drawing/2010/main">
                 <a:solidFill>
                   <a:srgbClr val="FFFFFF"/>
                 </a:solidFill>
               </a14:hiddenFill>
             </a:ext>
             <a:ext uri="{91240B29-F687-4f45-9708-019B960494DF}">
-              <a14:hiddenLine xmlns:a14="http://schemas.microsoft.com/office/drawing/2010/main" xmlns="" w="9525">
+              <a14:hiddenLine xmlns="" xmlns:a14="http://schemas.microsoft.com/office/drawing/2010/main" w="9525">
                 <a:solidFill>
                   <a:srgbClr val="000000"/>
                 </a:solidFill>
@@ -8598,13 +8572,15 @@
             </a:r>
           </a:p>
           <a:p>
-            <a:pPr marL="1600200" lvl="2" indent="-457200" hangingPunct="1">
+            <a:pPr marL="1714500" lvl="2" indent="-571500" hangingPunct="1">
               <a:lnSpc>
                 <a:spcPct val="150000"/>
               </a:lnSpc>
               <a:spcBef>
                 <a:spcPct val="0"/>
               </a:spcBef>
+              <a:buFont typeface="Wingdings" panose="05000000000000000000" pitchFamily="2" charset="2"/>
+              <a:buChar char="§"/>
               <a:defRPr/>
             </a:pPr>
             <a:r>
@@ -8616,13 +8592,15 @@
             </a:r>
           </a:p>
           <a:p>
-            <a:pPr marL="1600200" lvl="2" indent="-457200" hangingPunct="1">
+            <a:pPr marL="1714500" lvl="2" indent="-571500" hangingPunct="1">
               <a:lnSpc>
                 <a:spcPct val="150000"/>
               </a:lnSpc>
               <a:spcBef>
                 <a:spcPct val="0"/>
               </a:spcBef>
+              <a:buFont typeface="Wingdings" panose="05000000000000000000" pitchFamily="2" charset="2"/>
+              <a:buChar char="§"/>
               <a:defRPr/>
             </a:pPr>
             <a:r>
@@ -8645,13 +8623,15 @@
             </a:endParaRPr>
           </a:p>
           <a:p>
-            <a:pPr marL="1600200" lvl="2" indent="-457200" hangingPunct="1">
+            <a:pPr marL="1714500" lvl="2" indent="-571500" hangingPunct="1">
               <a:lnSpc>
                 <a:spcPct val="150000"/>
               </a:lnSpc>
               <a:spcBef>
                 <a:spcPct val="0"/>
               </a:spcBef>
+              <a:buFont typeface="Wingdings" panose="05000000000000000000" pitchFamily="2" charset="2"/>
+              <a:buChar char="§"/>
               <a:defRPr/>
             </a:pPr>
             <a:r>
@@ -8681,10 +8661,6 @@
               </a:rPr>
               <a:t>Szint: haladó</a:t>
             </a:r>
-            <a:endParaRPr lang="hu-HU" sz="4400" dirty="0" smtClean="0">
-              <a:latin typeface="Trebuchet MS" panose="020B0603020202020204" pitchFamily="34" charset="0"/>
-              <a:cs typeface="Segoe UI" panose="020B0502040204020203" pitchFamily="34" charset="0"/>
-            </a:endParaRPr>
           </a:p>
           <a:p>
             <a:pPr marL="1200150" lvl="1" indent="-457200" hangingPunct="1">
@@ -8744,14 +8720,14 @@
           </a:ln>
           <a:extLst>
             <a:ext uri="{909E8E84-426E-40dd-AFC4-6F175D3DCCD1}">
-              <a14:hiddenFill xmlns:a14="http://schemas.microsoft.com/office/drawing/2010/main" xmlns="">
+              <a14:hiddenFill xmlns="" xmlns:a14="http://schemas.microsoft.com/office/drawing/2010/main">
                 <a:solidFill>
                   <a:srgbClr val="FFFFFF"/>
                 </a:solidFill>
               </a14:hiddenFill>
             </a:ext>
             <a:ext uri="{91240B29-F687-4f45-9708-019B960494DF}">
-              <a14:hiddenLine xmlns:a14="http://schemas.microsoft.com/office/drawing/2010/main" xmlns="" w="9525">
+              <a14:hiddenLine xmlns="" xmlns:a14="http://schemas.microsoft.com/office/drawing/2010/main" w="9525">
                 <a:solidFill>
                   <a:srgbClr val="000000"/>
                 </a:solidFill>
@@ -8779,17 +8755,7 @@
                 <a:latin typeface="Trebuchet MS" panose="020B0603020202020204" pitchFamily="34" charset="0"/>
                 <a:cs typeface="Segoe UI" panose="020B0502040204020203" pitchFamily="34" charset="0"/>
               </a:rPr>
-              <a:t>Az esemény</a:t>
-            </a:r>
-            <a:r>
-              <a:rPr lang="hu-HU" sz="5400" dirty="0" smtClean="0">
-                <a:solidFill>
-                  <a:schemeClr val="tx1"/>
-                </a:solidFill>
-                <a:latin typeface="Trebuchet MS" panose="020B0603020202020204" pitchFamily="34" charset="0"/>
-                <a:cs typeface="Segoe UI" panose="020B0502040204020203" pitchFamily="34" charset="0"/>
-              </a:rPr>
-              <a:t>sorozatról</a:t>
+              <a:t>Az eseménysorozatról</a:t>
             </a:r>
             <a:endParaRPr lang="en-US" sz="5400" dirty="0">
               <a:solidFill>
@@ -8850,7 +8816,7 @@
         <p:spPr bwMode="auto">
           <a:xfrm>
             <a:off x="1231900" y="2831034"/>
-            <a:ext cx="19154127" cy="3785652"/>
+            <a:ext cx="19154127" cy="6555641"/>
           </a:xfrm>
           <a:prstGeom prst="rect">
             <a:avLst/>
@@ -8861,14 +8827,14 @@
           </a:ln>
           <a:extLst>
             <a:ext uri="{909E8E84-426E-40dd-AFC4-6F175D3DCCD1}">
-              <a14:hiddenFill xmlns:a14="http://schemas.microsoft.com/office/drawing/2010/main" xmlns="">
+              <a14:hiddenFill xmlns="" xmlns:a14="http://schemas.microsoft.com/office/drawing/2010/main">
                 <a:solidFill>
                   <a:srgbClr val="FFFFFF"/>
                 </a:solidFill>
               </a14:hiddenFill>
             </a:ext>
             <a:ext uri="{91240B29-F687-4f45-9708-019B960494DF}">
-              <a14:hiddenLine xmlns:a14="http://schemas.microsoft.com/office/drawing/2010/main" xmlns="" w="9525">
+              <a14:hiddenLine xmlns="" xmlns:a14="http://schemas.microsoft.com/office/drawing/2010/main" w="9525">
                 <a:solidFill>
                   <a:srgbClr val="000000"/>
                 </a:solidFill>
@@ -9015,6 +8981,57 @@
             </a:lvl9pPr>
           </a:lstStyle>
           <a:p>
+            <a:pPr marL="1314450" lvl="1" indent="-571500" hangingPunct="1">
+              <a:lnSpc>
+                <a:spcPct val="150000"/>
+              </a:lnSpc>
+              <a:spcBef>
+                <a:spcPct val="0"/>
+              </a:spcBef>
+              <a:buFont typeface="Arial" panose="020B0604020202020204" pitchFamily="34" charset="0"/>
+              <a:buChar char="•"/>
+              <a:defRPr/>
+            </a:pPr>
+            <a:r>
+              <a:rPr lang="hu-HU" sz="4000" dirty="0" smtClean="0">
+                <a:latin typeface="Trebuchet MS" panose="020B0603020202020204" pitchFamily="34" charset="0"/>
+                <a:cs typeface="Segoe UI" panose="020B0502040204020203" pitchFamily="34" charset="0"/>
+              </a:rPr>
+              <a:t>Facebook csoport:</a:t>
+            </a:r>
+            <a:br>
+              <a:rPr lang="hu-HU" sz="4000" dirty="0" smtClean="0">
+                <a:latin typeface="Trebuchet MS" panose="020B0603020202020204" pitchFamily="34" charset="0"/>
+                <a:cs typeface="Segoe UI" panose="020B0502040204020203" pitchFamily="34" charset="0"/>
+              </a:rPr>
+            </a:br>
+            <a:r>
+              <a:rPr lang="hu-HU" sz="4000" dirty="0" smtClean="0">
+                <a:latin typeface="Trebuchet MS" panose="020B0603020202020204" pitchFamily="34" charset="0"/>
+                <a:cs typeface="Segoe UI" panose="020B0502040204020203" pitchFamily="34" charset="0"/>
+              </a:rPr>
+              <a:t>				</a:t>
+            </a:r>
+            <a:r>
+              <a:rPr lang="hu-HU" sz="4000" dirty="0" smtClean="0">
+                <a:latin typeface="Courier New" panose="02070309020205020404" pitchFamily="49" charset="0"/>
+                <a:cs typeface="Courier New" panose="02070309020205020404" pitchFamily="49" charset="0"/>
+              </a:rPr>
+              <a:t>https</a:t>
+            </a:r>
+            <a:r>
+              <a:rPr lang="hu-HU" sz="4000" dirty="0">
+                <a:latin typeface="Courier New" panose="02070309020205020404" pitchFamily="49" charset="0"/>
+                <a:cs typeface="Courier New" panose="02070309020205020404" pitchFamily="49" charset="0"/>
+              </a:rPr>
+              <a:t>://www.facebook.com/gyordevup/</a:t>
+            </a:r>
+            <a:endParaRPr lang="hu-HU" sz="4000" dirty="0" smtClean="0">
+              <a:latin typeface="Courier New" panose="02070309020205020404" pitchFamily="49" charset="0"/>
+              <a:cs typeface="Courier New" panose="02070309020205020404" pitchFamily="49" charset="0"/>
+            </a:endParaRPr>
+          </a:p>
+          <a:p>
             <a:pPr marL="1200150" lvl="1" indent="-457200" hangingPunct="1">
               <a:lnSpc>
                 <a:spcPct val="150000"/>
@@ -9031,7 +9048,14 @@
                 <a:latin typeface="Trebuchet MS" panose="020B0603020202020204" pitchFamily="34" charset="0"/>
                 <a:cs typeface="Segoe UI" panose="020B0502040204020203" pitchFamily="34" charset="0"/>
               </a:rPr>
-              <a:t>Előadások anyagai elérhetők </a:t>
+              <a:t>Előadások </a:t>
+            </a:r>
+            <a:r>
+              <a:rPr lang="hu-HU" sz="4000" dirty="0" smtClean="0">
+                <a:latin typeface="Trebuchet MS" panose="020B0603020202020204" pitchFamily="34" charset="0"/>
+                <a:cs typeface="Segoe UI" panose="020B0502040204020203" pitchFamily="34" charset="0"/>
+              </a:rPr>
+              <a:t>anyagai elérhetők </a:t>
             </a:r>
             <a:r>
               <a:rPr lang="hu-HU" sz="4000" dirty="0" err="1" smtClean="0">
@@ -9040,9 +9064,50 @@
               </a:rPr>
               <a:t>GitHubon</a:t>
             </a:r>
+            <a:r>
+              <a:rPr lang="hu-HU" sz="4000" dirty="0">
+                <a:latin typeface="Trebuchet MS" panose="020B0603020202020204" pitchFamily="34" charset="0"/>
+                <a:cs typeface="Segoe UI" panose="020B0502040204020203" pitchFamily="34" charset="0"/>
+              </a:rPr>
+              <a:t>: </a:t>
+            </a:r>
+            <a:r>
+              <a:rPr lang="hu-HU" sz="4000" dirty="0" smtClean="0">
+                <a:latin typeface="Trebuchet MS" panose="020B0603020202020204" pitchFamily="34" charset="0"/>
+                <a:cs typeface="Segoe UI" panose="020B0502040204020203" pitchFamily="34" charset="0"/>
+              </a:rPr>
+              <a:t/>
+            </a:r>
+            <a:br>
+              <a:rPr lang="hu-HU" sz="4000" dirty="0" smtClean="0">
+                <a:latin typeface="Trebuchet MS" panose="020B0603020202020204" pitchFamily="34" charset="0"/>
+                <a:cs typeface="Segoe UI" panose="020B0502040204020203" pitchFamily="34" charset="0"/>
+              </a:rPr>
+            </a:br>
+            <a:r>
+              <a:rPr lang="hu-HU" sz="4000" dirty="0" smtClean="0">
+                <a:latin typeface="Trebuchet MS" panose="020B0603020202020204" pitchFamily="34" charset="0"/>
+                <a:cs typeface="Segoe UI" panose="020B0502040204020203" pitchFamily="34" charset="0"/>
+              </a:rPr>
+              <a:t>				</a:t>
+            </a:r>
+            <a:r>
+              <a:rPr lang="hu-HU" sz="4000" dirty="0" smtClean="0">
+                <a:latin typeface="Courier New" panose="02070309020205020404" pitchFamily="49" charset="0"/>
+                <a:cs typeface="Courier New" panose="02070309020205020404" pitchFamily="49" charset="0"/>
+              </a:rPr>
+              <a:t>https</a:t>
+            </a:r>
+            <a:r>
+              <a:rPr lang="hu-HU" sz="4000" dirty="0">
+                <a:latin typeface="Courier New" panose="02070309020205020404" pitchFamily="49" charset="0"/>
+                <a:cs typeface="Courier New" panose="02070309020205020404" pitchFamily="49" charset="0"/>
+              </a:rPr>
+              <a:t>://github.com/attrecto/Gyor-DevUp.git</a:t>
+            </a:r>
             <a:endParaRPr lang="hu-HU" sz="4000" dirty="0" smtClean="0">
-              <a:latin typeface="Trebuchet MS" panose="020B0603020202020204" pitchFamily="34" charset="0"/>
-              <a:cs typeface="Segoe UI" panose="020B0502040204020203" pitchFamily="34" charset="0"/>
+              <a:latin typeface="Courier New" panose="02070309020205020404" pitchFamily="49" charset="0"/>
+              <a:cs typeface="Courier New" panose="02070309020205020404" pitchFamily="49" charset="0"/>
             </a:endParaRPr>
           </a:p>
           <a:p>
@@ -9084,10 +9149,6 @@
               </a:rPr>
               <a:t>Kérdéseket az egyes előadások végén</a:t>
             </a:r>
-            <a:endParaRPr lang="hu-HU" sz="4000" dirty="0" smtClean="0">
-              <a:latin typeface="Trebuchet MS" panose="020B0603020202020204" pitchFamily="34" charset="0"/>
-              <a:cs typeface="Segoe UI" panose="020B0502040204020203" pitchFamily="34" charset="0"/>
-            </a:endParaRPr>
           </a:p>
           <a:p>
             <a:pPr marL="1200150" lvl="1" indent="-457200" hangingPunct="1">
@@ -9130,14 +9191,14 @@
           </a:ln>
           <a:extLst>
             <a:ext uri="{909E8E84-426E-40dd-AFC4-6F175D3DCCD1}">
-              <a14:hiddenFill xmlns:a14="http://schemas.microsoft.com/office/drawing/2010/main" xmlns="">
+              <a14:hiddenFill xmlns="" xmlns:a14="http://schemas.microsoft.com/office/drawing/2010/main">
                 <a:solidFill>
                   <a:srgbClr val="FFFFFF"/>
                 </a:solidFill>
               </a14:hiddenFill>
             </a:ext>
             <a:ext uri="{91240B29-F687-4f45-9708-019B960494DF}">
-              <a14:hiddenLine xmlns:a14="http://schemas.microsoft.com/office/drawing/2010/main" xmlns="" w="9525">
+              <a14:hiddenLine xmlns="" xmlns:a14="http://schemas.microsoft.com/office/drawing/2010/main" w="9525">
                 <a:solidFill>
                   <a:srgbClr val="000000"/>
                 </a:solidFill>
@@ -9177,6 +9238,88 @@
           </a:p>
         </p:txBody>
       </p:sp>
+      <p:pic>
+        <p:nvPicPr>
+          <p:cNvPr id="1026" name="Picture 2" descr="https://cdn1.iconfinder.com/data/icons/logotypes/32/square-facebook-512.png"/>
+          <p:cNvPicPr>
+            <a:picLocks noChangeAspect="1" noChangeArrowheads="1"/>
+          </p:cNvPicPr>
+          <p:nvPr/>
+        </p:nvPicPr>
+        <p:blipFill>
+          <a:blip r:embed="rId3" cstate="print">
+            <a:extLst>
+              <a:ext uri="{28A0092B-C50C-407E-A947-70E740481C1C}">
+                <a14:useLocalDpi xmlns:a14="http://schemas.microsoft.com/office/drawing/2010/main" val="0"/>
+              </a:ext>
+            </a:extLst>
+          </a:blip>
+          <a:srcRect/>
+          <a:stretch>
+            <a:fillRect/>
+          </a:stretch>
+        </p:blipFill>
+        <p:spPr bwMode="auto">
+          <a:xfrm>
+            <a:off x="2657302" y="3767138"/>
+            <a:ext cx="1008112" cy="1008112"/>
+          </a:xfrm>
+          <a:prstGeom prst="rect">
+            <a:avLst/>
+          </a:prstGeom>
+          <a:noFill/>
+          <a:extLst>
+            <a:ext uri="{909E8E84-426E-40DD-AFC4-6F175D3DCCD1}">
+              <a14:hiddenFill xmlns:a14="http://schemas.microsoft.com/office/drawing/2010/main">
+                <a:solidFill>
+                  <a:srgbClr val="FFFFFF"/>
+                </a:solidFill>
+              </a14:hiddenFill>
+            </a:ext>
+          </a:extLst>
+        </p:spPr>
+      </p:pic>
+      <p:pic>
+        <p:nvPicPr>
+          <p:cNvPr id="1028" name="Picture 4" descr="https://assets-cdn.github.com/images/modules/logos_page/GitHub-Mark.png"/>
+          <p:cNvPicPr>
+            <a:picLocks noChangeAspect="1" noChangeArrowheads="1"/>
+          </p:cNvPicPr>
+          <p:nvPr/>
+        </p:nvPicPr>
+        <p:blipFill>
+          <a:blip r:embed="rId4" cstate="print">
+            <a:extLst>
+              <a:ext uri="{28A0092B-C50C-407E-A947-70E740481C1C}">
+                <a14:useLocalDpi xmlns:a14="http://schemas.microsoft.com/office/drawing/2010/main" val="0"/>
+              </a:ext>
+            </a:extLst>
+          </a:blip>
+          <a:srcRect/>
+          <a:stretch>
+            <a:fillRect/>
+          </a:stretch>
+        </p:blipFill>
+        <p:spPr bwMode="auto">
+          <a:xfrm>
+            <a:off x="2570182" y="5525234"/>
+            <a:ext cx="1167240" cy="1167240"/>
+          </a:xfrm>
+          <a:prstGeom prst="rect">
+            <a:avLst/>
+          </a:prstGeom>
+          <a:noFill/>
+          <a:extLst>
+            <a:ext uri="{909E8E84-426E-40DD-AFC4-6F175D3DCCD1}">
+              <a14:hiddenFill xmlns:a14="http://schemas.microsoft.com/office/drawing/2010/main">
+                <a:solidFill>
+                  <a:srgbClr val="FFFFFF"/>
+                </a:solidFill>
+              </a14:hiddenFill>
+            </a:ext>
+          </a:extLst>
+        </p:spPr>
+      </p:pic>
     </p:spTree>
     <p:extLst>
       <p:ext uri="{BB962C8B-B14F-4D97-AF65-F5344CB8AC3E}">
@@ -9237,14 +9380,14 @@
           </a:ln>
           <a:extLst>
             <a:ext uri="{909E8E84-426E-40dd-AFC4-6F175D3DCCD1}">
-              <a14:hiddenFill xmlns:a14="http://schemas.microsoft.com/office/drawing/2010/main" xmlns="">
+              <a14:hiddenFill xmlns="" xmlns:a14="http://schemas.microsoft.com/office/drawing/2010/main">
                 <a:solidFill>
                   <a:srgbClr val="FFFFFF"/>
                 </a:solidFill>
               </a14:hiddenFill>
             </a:ext>
             <a:ext uri="{91240B29-F687-4f45-9708-019B960494DF}">
-              <a14:hiddenLine xmlns:a14="http://schemas.microsoft.com/office/drawing/2010/main" xmlns="" w="9525">
+              <a14:hiddenLine xmlns="" xmlns:a14="http://schemas.microsoft.com/office/drawing/2010/main" w="9525">
                 <a:solidFill>
                   <a:srgbClr val="000000"/>
                 </a:solidFill>
@@ -9662,14 +9805,14 @@
           </a:ln>
           <a:extLst>
             <a:ext uri="{909E8E84-426E-40dd-AFC4-6F175D3DCCD1}">
-              <a14:hiddenFill xmlns:a14="http://schemas.microsoft.com/office/drawing/2010/main" xmlns="">
+              <a14:hiddenFill xmlns="" xmlns:a14="http://schemas.microsoft.com/office/drawing/2010/main">
                 <a:solidFill>
                   <a:srgbClr val="FFFFFF"/>
                 </a:solidFill>
               </a14:hiddenFill>
             </a:ext>
             <a:ext uri="{91240B29-F687-4f45-9708-019B960494DF}">
-              <a14:hiddenLine xmlns:a14="http://schemas.microsoft.com/office/drawing/2010/main" xmlns="" w="9525">
+              <a14:hiddenLine xmlns="" xmlns:a14="http://schemas.microsoft.com/office/drawing/2010/main" w="9525">
                 <a:solidFill>
                   <a:srgbClr val="000000"/>
                 </a:solidFill>
@@ -9872,14 +10015,14 @@
           </a:ln>
           <a:extLst>
             <a:ext uri="{909E8E84-426E-40dd-AFC4-6F175D3DCCD1}">
-              <a14:hiddenFill xmlns:a14="http://schemas.microsoft.com/office/drawing/2010/main" xmlns="">
+              <a14:hiddenFill xmlns="" xmlns:a14="http://schemas.microsoft.com/office/drawing/2010/main">
                 <a:solidFill>
                   <a:schemeClr val="accent1"/>
                 </a:solidFill>
               </a14:hiddenFill>
             </a:ext>
             <a:ext uri="{91240B29-F687-4f45-9708-019B960494DF}">
-              <a14:hiddenLine xmlns:a14="http://schemas.microsoft.com/office/drawing/2010/main" xmlns="" w="9525">
+              <a14:hiddenLine xmlns="" xmlns:a14="http://schemas.microsoft.com/office/drawing/2010/main" w="9525">
                 <a:solidFill>
                   <a:schemeClr val="tx1"/>
                 </a:solidFill>
@@ -9927,7 +10070,7 @@
           <a:effectLst/>
           <a:extLst>
             <a:ext uri="{909E8E84-426E-40dd-AFC4-6F175D3DCCD1}">
-              <a14:hiddenFill xmlns:a14="http://schemas.microsoft.com/office/drawing/2010/main" xmlns="">
+              <a14:hiddenFill xmlns="" xmlns:a14="http://schemas.microsoft.com/office/drawing/2010/main">
                 <a:blipFill dpi="0" rotWithShape="0">
                   <a:blip/>
                   <a:srcRect/>
@@ -9938,7 +10081,7 @@
               </a14:hiddenFill>
             </a:ext>
             <a:ext uri="{91240B29-F687-4f45-9708-019B960494DF}">
-              <a14:hiddenLine xmlns:a14="http://schemas.microsoft.com/office/drawing/2010/main" xmlns="" w="9525">
+              <a14:hiddenLine xmlns="" xmlns:a14="http://schemas.microsoft.com/office/drawing/2010/main" w="9525">
                 <a:solidFill>
                   <a:srgbClr val="808080"/>
                 </a:solidFill>
@@ -9948,7 +10091,7 @@
               </a14:hiddenLine>
             </a:ext>
             <a:ext uri="{AF507438-7753-43e0-B8FC-AC1667EBCBE1}">
-              <a14:hiddenEffects xmlns:a14="http://schemas.microsoft.com/office/drawing/2010/main" xmlns="">
+              <a14:hiddenEffects xmlns="" xmlns:a14="http://schemas.microsoft.com/office/drawing/2010/main">
                 <a:effectLst>
                   <a:outerShdw dist="35921" dir="2700000" algn="ctr" rotWithShape="0">
                     <a:srgbClr val="808080"/>
@@ -9981,14 +10124,14 @@
           </a:ln>
           <a:extLst>
             <a:ext uri="{909E8E84-426E-40dd-AFC4-6F175D3DCCD1}">
-              <a14:hiddenFill xmlns:a14="http://schemas.microsoft.com/office/drawing/2010/main" xmlns="">
+              <a14:hiddenFill xmlns="" xmlns:a14="http://schemas.microsoft.com/office/drawing/2010/main">
                 <a:solidFill>
                   <a:srgbClr val="FFFFFF"/>
                 </a:solidFill>
               </a14:hiddenFill>
             </a:ext>
             <a:ext uri="{91240B29-F687-4f45-9708-019B960494DF}">
-              <a14:hiddenLine xmlns:a14="http://schemas.microsoft.com/office/drawing/2010/main" xmlns="" w="9525">
+              <a14:hiddenLine xmlns="" xmlns:a14="http://schemas.microsoft.com/office/drawing/2010/main" w="9525">
                 <a:solidFill>
                   <a:srgbClr val="000000"/>
                 </a:solidFill>
@@ -10243,7 +10386,7 @@
           <a:effectLst/>
           <a:extLst>
             <a:ext uri="{AF507438-7753-43e0-B8FC-AC1667EBCBE1}">
-              <a14:hiddenEffects xmlns:a14="http://schemas.microsoft.com/office/drawing/2010/main" xmlns="">
+              <a14:hiddenEffects xmlns="" xmlns:a14="http://schemas.microsoft.com/office/drawing/2010/main">
                 <a:effectLst>
                   <a:outerShdw dist="35921" dir="2700000" algn="ctr" rotWithShape="0">
                     <a:schemeClr val="bg2"/>
@@ -10291,14 +10434,14 @@
           </a:ln>
           <a:extLst>
             <a:ext uri="{909E8E84-426E-40dd-AFC4-6F175D3DCCD1}">
-              <a14:hiddenFill xmlns:a14="http://schemas.microsoft.com/office/drawing/2010/main" xmlns="">
+              <a14:hiddenFill xmlns="" xmlns:a14="http://schemas.microsoft.com/office/drawing/2010/main">
                 <a:solidFill>
                   <a:schemeClr val="accent1"/>
                 </a:solidFill>
               </a14:hiddenFill>
             </a:ext>
             <a:ext uri="{91240B29-F687-4f45-9708-019B960494DF}">
-              <a14:hiddenLine xmlns:a14="http://schemas.microsoft.com/office/drawing/2010/main" xmlns="" w="9525">
+              <a14:hiddenLine xmlns="" xmlns:a14="http://schemas.microsoft.com/office/drawing/2010/main" w="9525">
                 <a:solidFill>
                   <a:schemeClr val="tx1"/>
                 </a:solidFill>
@@ -10347,14 +10490,14 @@
           </a:ln>
           <a:extLst>
             <a:ext uri="{909E8E84-426E-40dd-AFC4-6F175D3DCCD1}">
-              <a14:hiddenFill xmlns:a14="http://schemas.microsoft.com/office/drawing/2010/main" xmlns="">
+              <a14:hiddenFill xmlns="" xmlns:a14="http://schemas.microsoft.com/office/drawing/2010/main">
                 <a:solidFill>
                   <a:schemeClr val="accent1"/>
                 </a:solidFill>
               </a14:hiddenFill>
             </a:ext>
             <a:ext uri="{91240B29-F687-4f45-9708-019B960494DF}">
-              <a14:hiddenLine xmlns:a14="http://schemas.microsoft.com/office/drawing/2010/main" xmlns="" w="9525">
+              <a14:hiddenLine xmlns="" xmlns:a14="http://schemas.microsoft.com/office/drawing/2010/main" w="9525">
                 <a:solidFill>
                   <a:schemeClr val="tx1"/>
                 </a:solidFill>
@@ -10403,14 +10546,14 @@
           </a:ln>
           <a:extLst>
             <a:ext uri="{909E8E84-426E-40dd-AFC4-6F175D3DCCD1}">
-              <a14:hiddenFill xmlns:a14="http://schemas.microsoft.com/office/drawing/2010/main" xmlns="">
+              <a14:hiddenFill xmlns="" xmlns:a14="http://schemas.microsoft.com/office/drawing/2010/main">
                 <a:solidFill>
                   <a:schemeClr val="accent1"/>
                 </a:solidFill>
               </a14:hiddenFill>
             </a:ext>
             <a:ext uri="{91240B29-F687-4f45-9708-019B960494DF}">
-              <a14:hiddenLine xmlns:a14="http://schemas.microsoft.com/office/drawing/2010/main" xmlns="" w="9525">
+              <a14:hiddenLine xmlns="" xmlns:a14="http://schemas.microsoft.com/office/drawing/2010/main" w="9525">
                 <a:solidFill>
                   <a:schemeClr val="tx1"/>
                 </a:solidFill>
@@ -10459,14 +10602,14 @@
           </a:ln>
           <a:extLst>
             <a:ext uri="{909E8E84-426E-40dd-AFC4-6F175D3DCCD1}">
-              <a14:hiddenFill xmlns:a14="http://schemas.microsoft.com/office/drawing/2010/main" xmlns="">
+              <a14:hiddenFill xmlns="" xmlns:a14="http://schemas.microsoft.com/office/drawing/2010/main">
                 <a:solidFill>
                   <a:schemeClr val="accent1"/>
                 </a:solidFill>
               </a14:hiddenFill>
             </a:ext>
             <a:ext uri="{91240B29-F687-4f45-9708-019B960494DF}">
-              <a14:hiddenLine xmlns:a14="http://schemas.microsoft.com/office/drawing/2010/main" xmlns="" w="9525">
+              <a14:hiddenLine xmlns="" xmlns:a14="http://schemas.microsoft.com/office/drawing/2010/main" w="9525">
                 <a:solidFill>
                   <a:schemeClr val="tx1"/>
                 </a:solidFill>
@@ -10515,14 +10658,14 @@
           </a:ln>
           <a:extLst>
             <a:ext uri="{909E8E84-426E-40dd-AFC4-6F175D3DCCD1}">
-              <a14:hiddenFill xmlns:a14="http://schemas.microsoft.com/office/drawing/2010/main" xmlns="">
+              <a14:hiddenFill xmlns="" xmlns:a14="http://schemas.microsoft.com/office/drawing/2010/main">
                 <a:solidFill>
                   <a:schemeClr val="accent1"/>
                 </a:solidFill>
               </a14:hiddenFill>
             </a:ext>
             <a:ext uri="{91240B29-F687-4f45-9708-019B960494DF}">
-              <a14:hiddenLine xmlns:a14="http://schemas.microsoft.com/office/drawing/2010/main" xmlns="" w="9525">
+              <a14:hiddenLine xmlns="" xmlns:a14="http://schemas.microsoft.com/office/drawing/2010/main" w="9525">
                 <a:solidFill>
                   <a:schemeClr val="tx1"/>
                 </a:solidFill>
@@ -10825,7 +10968,7 @@
         <a:effectLst/>
         <a:extLst>
           <a:ext uri="{AF507438-7753-43e0-B8FC-AC1667EBCBE1}">
-            <a14:hiddenEffects xmlns:a14="http://schemas.microsoft.com/office/drawing/2010/main" xmlns="">
+            <a14:hiddenEffects xmlns="" xmlns:a14="http://schemas.microsoft.com/office/drawing/2010/main">
               <a:effectLst>
                 <a:outerShdw dist="35921" dir="2700000" algn="ctr" rotWithShape="0">
                   <a:schemeClr val="bg2"/>
